--- a/PowerPointJHHH.pptx
+++ b/PowerPointJHHH.pptx
@@ -7,7 +7,8 @@
   </p:sldMasterIdLst>
   <p:sldIdLst>
     <p:sldId id="257" r:id="rId3"/>
-    <p:sldId id="256" r:id="rId4"/>
+    <p:sldId id="258" r:id="rId4"/>
+    <p:sldId id="256" r:id="rId5"/>
   </p:sldIdLst>
   <p:sldSz cx="12192000" cy="6858000"/>
   <p:notesSz cx="6858000" cy="9144000"/>
@@ -106,6 +107,11 @@
       </a:defRPr>
     </a:lvl9pPr>
   </p:defaultTextStyle>
+  <p:extLst>
+    <p:ext uri="{EFAFB233-063F-42B5-8137-9DF3F51BA10A}">
+      <p15:sldGuideLst xmlns:p15="http://schemas.microsoft.com/office/powerpoint/2012/main"/>
+    </p:ext>
+  </p:extLst>
 </p:presentation>
 </file>
 
@@ -193,6 +199,176 @@
 </inkml:ink>
 </file>
 
+<file path=ppt/ink/ink2.xml><?xml version="1.0" encoding="utf-8"?>
+<inkml:ink xmlns:inkml="http://www.w3.org/2003/InkML">
+  <inkml:definitions>
+    <inkml:context xml:id="ctx0">
+      <inkml:inkSource xml:id="inkSrc0">
+        <inkml:traceFormat>
+          <inkml:channel name="X" type="integer" min="-2.14748E9" max="2.14748E9" units="cm"/>
+          <inkml:channel name="Y" type="integer" min="-2.14748E9" max="2.14748E9" units="cm"/>
+          <inkml:channel name="F" type="integer" max="32767" units="dev"/>
+        </inkml:traceFormat>
+        <inkml:channelProperties>
+          <inkml:channelProperty channel="X" name="resolution" value="1000" units="1/cm"/>
+          <inkml:channelProperty channel="Y" name="resolution" value="1000" units="1/cm"/>
+          <inkml:channelProperty channel="F" name="resolution" value="0" units="1/dev"/>
+        </inkml:channelProperties>
+      </inkml:inkSource>
+      <inkml:timestamp xml:id="ts0" timeString="2017-06-11T07:46:15.451"/>
+    </inkml:context>
+    <inkml:brush xml:id="br0">
+      <inkml:brushProperty name="width" value="0.04" units="cm"/>
+      <inkml:brushProperty name="height" value="0.04" units="cm"/>
+    </inkml:brush>
+  </inkml:definitions>
+  <inkml:traceGroup>
+    <inkml:annotationXML>
+      <emma:emma xmlns:emma="http://www.w3.org/2003/04/emma" version="1.0">
+        <emma:interpretation id="{2A1626CF-2171-4CC4-85F7-A452BAE64A20}" emma:medium="tactile" emma:mode="ink">
+          <msink:context xmlns:msink="http://schemas.microsoft.com/ink/2010/main" type="writingRegion" rotatedBoundingBox="9211,1606 10141,1606 10141,1684 9211,1684"/>
+        </emma:interpretation>
+      </emma:emma>
+    </inkml:annotationXML>
+    <inkml:traceGroup>
+      <inkml:annotationXML>
+        <emma:emma xmlns:emma="http://www.w3.org/2003/04/emma" version="1.0">
+          <emma:interpretation id="{E646A1A9-E6FC-4442-9136-24664F9783C5}" emma:medium="tactile" emma:mode="ink">
+            <msink:context xmlns:msink="http://schemas.microsoft.com/ink/2010/main" type="paragraph" rotatedBoundingBox="9211,1606 10141,1606 10141,1684 9211,1684" alignmentLevel="1"/>
+          </emma:interpretation>
+        </emma:emma>
+      </inkml:annotationXML>
+      <inkml:traceGroup>
+        <inkml:annotationXML>
+          <emma:emma xmlns:emma="http://www.w3.org/2003/04/emma" version="1.0">
+            <emma:interpretation id="{5633B9BE-F494-499E-B08B-588D9F4A0E55}" emma:medium="tactile" emma:mode="ink">
+              <msink:context xmlns:msink="http://schemas.microsoft.com/ink/2010/main" type="line" rotatedBoundingBox="9211,1606 10141,1606 10141,1684 9211,1684"/>
+            </emma:interpretation>
+          </emma:emma>
+        </inkml:annotationXML>
+        <inkml:traceGroup>
+          <inkml:annotationXML>
+            <emma:emma xmlns:emma="http://www.w3.org/2003/04/emma" version="1.0">
+              <emma:interpretation id="{21A9A361-A312-4D61-BBE0-29C42EAE46A5}" emma:medium="tactile" emma:mode="ink">
+                <msink:context xmlns:msink="http://schemas.microsoft.com/ink/2010/main" type="inkWord" rotatedBoundingBox="9211,1606 9226,1606 9226,1670 9211,1670"/>
+              </emma:interpretation>
+              <emma:one-of disjunction-type="recognition" id="oneOf0">
+                <emma:interpretation id="interp0" emma:lang="de-DE" emma:confidence="0">
+                  <emma:literal>'</emma:literal>
+                </emma:interpretation>
+                <emma:interpretation id="interp1" emma:lang="de-DE" emma:confidence="0">
+                  <emma:literal>.</emma:literal>
+                </emma:interpretation>
+                <emma:interpretation id="interp2" emma:lang="de-DE" emma:confidence="0">
+                  <emma:literal>l</emma:literal>
+                </emma:interpretation>
+                <emma:interpretation id="interp3" emma:lang="de-DE" emma:confidence="0">
+                  <emma:literal>,</emma:literal>
+                </emma:interpretation>
+                <emma:interpretation id="interp4" emma:lang="de-DE" emma:confidence="0">
+                  <emma:literal>4</emma:literal>
+                </emma:interpretation>
+              </emma:one-of>
+            </emma:emma>
+          </inkml:annotationXML>
+          <inkml:trace contextRef="#ctx0" brushRef="#br0">2438 662 4164,'0'0'2690,"0"0"-1408,0 0-546,0 0-159,0 0-289,0 0-224,0 0-64,0-32 96,0 32-64,0 0-32,0 0-32,0 0-544,0 32-705,0 0-1954</inkml:trace>
+        </inkml:traceGroup>
+        <inkml:traceGroup>
+          <inkml:annotationXML>
+            <emma:emma xmlns:emma="http://www.w3.org/2003/04/emma" version="1.0">
+              <emma:interpretation id="{9313FBC2-23D5-4861-BE95-3C38BB8B0ED2}" emma:medium="tactile" emma:mode="ink">
+                <msink:context xmlns:msink="http://schemas.microsoft.com/ink/2010/main" type="inkWord" rotatedBoundingBox="10108,1669 10141,1669 10141,1684 10108,1684"/>
+              </emma:interpretation>
+              <emma:one-of disjunction-type="recognition" id="oneOf1">
+                <emma:interpretation id="interp5" emma:lang="de-DE" emma:confidence="0">
+                  <emma:literal>.</emma:literal>
+                </emma:interpretation>
+                <emma:interpretation id="interp6" emma:lang="de-DE" emma:confidence="0">
+                  <emma:literal>-</emma:literal>
+                </emma:interpretation>
+                <emma:interpretation id="interp7" emma:lang="de-DE" emma:confidence="0">
+                  <emma:literal>_</emma:literal>
+                </emma:interpretation>
+                <emma:interpretation id="interp8" emma:lang="de-DE" emma:confidence="0">
+                  <emma:literal>/</emma:literal>
+                </emma:interpretation>
+                <emma:interpretation id="interp9" emma:lang="de-DE" emma:confidence="0">
+                  <emma:literal>€</emma:literal>
+                </emma:interpretation>
+              </emma:one-of>
+            </emma:emma>
+          </inkml:annotationXML>
+          <inkml:trace contextRef="#ctx0" brushRef="#br0" timeOffset="811">3353 708 3171,'0'0'2530,"0"0"-1665,0 0-320,0 0-257,0 0-288,0 0 0,0 0-416,0 0-33,0 0 1,0 0 31,-33 0-479,33 0-706,0 0-320</inkml:trace>
+        </inkml:traceGroup>
+      </inkml:traceGroup>
+    </inkml:traceGroup>
+  </inkml:traceGroup>
+</inkml:ink>
+</file>
+
+<file path=ppt/ink/ink3.xml><?xml version="1.0" encoding="utf-8"?>
+<inkml:ink xmlns:inkml="http://www.w3.org/2003/InkML">
+  <inkml:definitions>
+    <inkml:context xml:id="ctx0">
+      <inkml:inkSource xml:id="inkSrc0">
+        <inkml:traceFormat>
+          <inkml:channel name="X" type="integer" min="-2.14748E9" max="2.14748E9" units="cm"/>
+          <inkml:channel name="Y" type="integer" min="-2.14748E9" max="2.14748E9" units="cm"/>
+          <inkml:channel name="F" type="integer" max="32767" units="dev"/>
+        </inkml:traceFormat>
+        <inkml:channelProperties>
+          <inkml:channelProperty channel="X" name="resolution" value="1000" units="1/cm"/>
+          <inkml:channelProperty channel="Y" name="resolution" value="1000" units="1/cm"/>
+          <inkml:channelProperty channel="F" name="resolution" value="0" units="1/dev"/>
+        </inkml:channelProperties>
+      </inkml:inkSource>
+      <inkml:timestamp xml:id="ts0" timeString="2017-06-11T07:46:08.409"/>
+    </inkml:context>
+    <inkml:brush xml:id="br0">
+      <inkml:brushProperty name="width" value="0.04" units="cm"/>
+      <inkml:brushProperty name="height" value="0.04" units="cm"/>
+    </inkml:brush>
+  </inkml:definitions>
+  <inkml:traceGroup>
+    <inkml:annotationXML>
+      <emma:emma xmlns:emma="http://www.w3.org/2003/04/emma" version="1.0">
+        <emma:interpretation id="{15C89545-F14D-432A-A124-3F444DD2A7C8}" emma:medium="tactile" emma:mode="ink">
+          <msink:context xmlns:msink="http://schemas.microsoft.com/ink/2010/main" type="writingRegion" rotatedBoundingBox="6220,8164 6350,8164 6350,8197 6220,8197"/>
+        </emma:interpretation>
+      </emma:emma>
+    </inkml:annotationXML>
+    <inkml:traceGroup>
+      <inkml:annotationXML>
+        <emma:emma xmlns:emma="http://www.w3.org/2003/04/emma" version="1.0">
+          <emma:interpretation id="{6C356E44-C922-47E8-8271-0B6086DDC51A}" emma:medium="tactile" emma:mode="ink">
+            <msink:context xmlns:msink="http://schemas.microsoft.com/ink/2010/main" type="paragraph" rotatedBoundingBox="6220,8164 6350,8164 6350,8197 6220,8197" alignmentLevel="1"/>
+          </emma:interpretation>
+        </emma:emma>
+      </inkml:annotationXML>
+      <inkml:traceGroup>
+        <inkml:annotationXML>
+          <emma:emma xmlns:emma="http://www.w3.org/2003/04/emma" version="1.0">
+            <emma:interpretation id="{CD4FA55E-3BCD-4D71-8916-251714BDD82E}" emma:medium="tactile" emma:mode="ink">
+              <msink:context xmlns:msink="http://schemas.microsoft.com/ink/2010/main" type="line" rotatedBoundingBox="6220,8164 6350,8164 6350,8197 6220,8197"/>
+            </emma:interpretation>
+          </emma:emma>
+        </inkml:annotationXML>
+        <inkml:traceGroup>
+          <inkml:annotationXML>
+            <emma:emma xmlns:emma="http://www.w3.org/2003/04/emma" version="1.0">
+              <emma:interpretation id="{6AA39D3A-E7A0-415D-A3B7-75FE97A68FA4}" emma:medium="tactile" emma:mode="ink">
+                <msink:context xmlns:msink="http://schemas.microsoft.com/ink/2010/main" type="inkWord" rotatedBoundingBox="6220,8164 6350,8164 6350,8197 6220,8197"/>
+              </emma:interpretation>
+            </emma:emma>
+          </inkml:annotationXML>
+          <inkml:trace contextRef="#ctx0" brushRef="#br0">1815 2268 3844,'0'0'2498,"0"0"-832,0 0-257,0 0 0,0 0-288,0 0-448,0 0-417,-65 0-256,0 33-2947</inkml:trace>
+        </inkml:traceGroup>
+      </inkml:traceGroup>
+    </inkml:traceGroup>
+  </inkml:traceGroup>
+</inkml:ink>
+</file>
+
 <file path=ppt/slideLayouts/slideLayout1.xml><?xml version="1.0" encoding="utf-8"?>
 <p:sldLayout xmlns:a="http://schemas.openxmlformats.org/drawingml/2006/main" xmlns:r="http://schemas.openxmlformats.org/officeDocument/2006/relationships" xmlns:p="http://schemas.openxmlformats.org/presentationml/2006/main" type="title" preserve="1">
   <p:cSld name="Titelfolie">
@@ -336,7 +512,7 @@
             <a:fld id="{B61BEF0D-F0BB-DE4B-95CE-6DB70DBA9567}" type="datetimeFigureOut">
               <a:rPr lang="en-US" smtClean="0"/>
               <a:pPr/>
-              <a:t>6/10/2017</a:t>
+              <a:t>6/11/2017</a:t>
             </a:fld>
             <a:endParaRPr lang="en-US" dirty="0"/>
           </a:p>
@@ -508,7 +684,7 @@
             <a:fld id="{B61BEF0D-F0BB-DE4B-95CE-6DB70DBA9567}" type="datetimeFigureOut">
               <a:rPr lang="en-US" smtClean="0"/>
               <a:pPr/>
-              <a:t>6/10/2017</a:t>
+              <a:t>6/11/2017</a:t>
             </a:fld>
             <a:endParaRPr lang="en-US" dirty="0"/>
           </a:p>
@@ -690,7 +866,7 @@
             <a:fld id="{B61BEF0D-F0BB-DE4B-95CE-6DB70DBA9567}" type="datetimeFigureOut">
               <a:rPr lang="en-US" smtClean="0"/>
               <a:pPr/>
-              <a:t>6/10/2017</a:t>
+              <a:t>6/11/2017</a:t>
             </a:fld>
             <a:endParaRPr lang="en-US" dirty="0"/>
           </a:p>
@@ -966,7 +1142,7 @@
             <a:fld id="{B61BEF0D-F0BB-DE4B-95CE-6DB70DBA9567}" type="datetimeFigureOut">
               <a:rPr lang="en-US" smtClean="0"/>
               <a:pPr/>
-              <a:t>6/10/2017</a:t>
+              <a:t>6/11/2017</a:t>
             </a:fld>
             <a:endParaRPr lang="en-US" dirty="0"/>
           </a:p>
@@ -1138,7 +1314,7 @@
             <a:fld id="{B61BEF0D-F0BB-DE4B-95CE-6DB70DBA9567}" type="datetimeFigureOut">
               <a:rPr lang="en-US" smtClean="0"/>
               <a:pPr/>
-              <a:t>6/10/2017</a:t>
+              <a:t>6/11/2017</a:t>
             </a:fld>
             <a:endParaRPr lang="en-US" dirty="0"/>
           </a:p>
@@ -1397,7 +1573,7 @@
             <a:fld id="{B61BEF0D-F0BB-DE4B-95CE-6DB70DBA9567}" type="datetimeFigureOut">
               <a:rPr lang="en-US" smtClean="0"/>
               <a:pPr/>
-              <a:t>6/10/2017</a:t>
+              <a:t>6/11/2017</a:t>
             </a:fld>
             <a:endParaRPr lang="en-US" dirty="0"/>
           </a:p>
@@ -1691,7 +1867,7 @@
             <a:fld id="{B61BEF0D-F0BB-DE4B-95CE-6DB70DBA9567}" type="datetimeFigureOut">
               <a:rPr lang="en-US" smtClean="0"/>
               <a:pPr/>
-              <a:t>6/10/2017</a:t>
+              <a:t>6/11/2017</a:t>
             </a:fld>
             <a:endParaRPr lang="en-US" dirty="0"/>
           </a:p>
@@ -2123,7 +2299,7 @@
             <a:fld id="{B61BEF0D-F0BB-DE4B-95CE-6DB70DBA9567}" type="datetimeFigureOut">
               <a:rPr lang="en-US" smtClean="0"/>
               <a:pPr/>
-              <a:t>6/10/2017</a:t>
+              <a:t>6/11/2017</a:t>
             </a:fld>
             <a:endParaRPr lang="en-US" dirty="0"/>
           </a:p>
@@ -2243,7 +2419,7 @@
             <a:fld id="{B61BEF0D-F0BB-DE4B-95CE-6DB70DBA9567}" type="datetimeFigureOut">
               <a:rPr lang="en-US" smtClean="0"/>
               <a:pPr/>
-              <a:t>6/10/2017</a:t>
+              <a:t>6/11/2017</a:t>
             </a:fld>
             <a:endParaRPr lang="en-US" dirty="0"/>
           </a:p>
@@ -2340,7 +2516,7 @@
             <a:fld id="{B61BEF0D-F0BB-DE4B-95CE-6DB70DBA9567}" type="datetimeFigureOut">
               <a:rPr lang="en-US" smtClean="0"/>
               <a:pPr/>
-              <a:t>6/10/2017</a:t>
+              <a:t>6/11/2017</a:t>
             </a:fld>
             <a:endParaRPr lang="en-US" dirty="0"/>
           </a:p>
@@ -2625,7 +2801,7 @@
             <a:fld id="{B61BEF0D-F0BB-DE4B-95CE-6DB70DBA9567}" type="datetimeFigureOut">
               <a:rPr lang="en-US" smtClean="0"/>
               <a:pPr/>
-              <a:t>6/10/2017</a:t>
+              <a:t>6/11/2017</a:t>
             </a:fld>
             <a:endParaRPr lang="en-US" dirty="0"/>
           </a:p>
@@ -2797,7 +2973,7 @@
             <a:fld id="{B61BEF0D-F0BB-DE4B-95CE-6DB70DBA9567}" type="datetimeFigureOut">
               <a:rPr lang="en-US" smtClean="0"/>
               <a:pPr/>
-              <a:t>6/10/2017</a:t>
+              <a:t>6/11/2017</a:t>
             </a:fld>
             <a:endParaRPr lang="en-US" dirty="0"/>
           </a:p>
@@ -3090,7 +3266,7 @@
             <a:fld id="{B61BEF0D-F0BB-DE4B-95CE-6DB70DBA9567}" type="datetimeFigureOut">
               <a:rPr lang="en-US" smtClean="0"/>
               <a:pPr/>
-              <a:t>6/10/2017</a:t>
+              <a:t>6/11/2017</a:t>
             </a:fld>
             <a:endParaRPr lang="en-US" dirty="0"/>
           </a:p>
@@ -3393,7 +3569,7 @@
             <a:fld id="{B61BEF0D-F0BB-DE4B-95CE-6DB70DBA9567}" type="datetimeFigureOut">
               <a:rPr lang="en-US" smtClean="0"/>
               <a:pPr/>
-              <a:t>6/10/2017</a:t>
+              <a:t>6/11/2017</a:t>
             </a:fld>
             <a:endParaRPr lang="en-US" dirty="0"/>
           </a:p>
@@ -3654,7 +3830,7 @@
             <a:fld id="{B61BEF0D-F0BB-DE4B-95CE-6DB70DBA9567}" type="datetimeFigureOut">
               <a:rPr lang="en-US" smtClean="0"/>
               <a:pPr/>
-              <a:t>6/10/2017</a:t>
+              <a:t>6/11/2017</a:t>
             </a:fld>
             <a:endParaRPr lang="en-US" dirty="0"/>
           </a:p>
@@ -4125,7 +4301,7 @@
             <a:fld id="{B61BEF0D-F0BB-DE4B-95CE-6DB70DBA9567}" type="datetimeFigureOut">
               <a:rPr lang="en-US" smtClean="0"/>
               <a:pPr/>
-              <a:t>6/10/2017</a:t>
+              <a:t>6/11/2017</a:t>
             </a:fld>
             <a:endParaRPr lang="en-US" dirty="0"/>
           </a:p>
@@ -4307,7 +4483,7 @@
             <a:fld id="{B61BEF0D-F0BB-DE4B-95CE-6DB70DBA9567}" type="datetimeFigureOut">
               <a:rPr lang="en-US" smtClean="0"/>
               <a:pPr/>
-              <a:t>6/10/2017</a:t>
+              <a:t>6/11/2017</a:t>
             </a:fld>
             <a:endParaRPr lang="en-US" dirty="0"/>
           </a:p>
@@ -4885,7 +5061,7 @@
             <a:fld id="{B61BEF0D-F0BB-DE4B-95CE-6DB70DBA9567}" type="datetimeFigureOut">
               <a:rPr lang="en-US" smtClean="0"/>
               <a:pPr/>
-              <a:t>6/10/2017</a:t>
+              <a:t>6/11/2017</a:t>
             </a:fld>
             <a:endParaRPr lang="en-US" dirty="0"/>
           </a:p>
@@ -5219,7 +5395,7 @@
             <a:fld id="{B61BEF0D-F0BB-DE4B-95CE-6DB70DBA9567}" type="datetimeFigureOut">
               <a:rPr lang="en-US" smtClean="0"/>
               <a:pPr/>
-              <a:t>6/10/2017</a:t>
+              <a:t>6/11/2017</a:t>
             </a:fld>
             <a:endParaRPr lang="en-US" dirty="0"/>
           </a:p>
@@ -5396,7 +5572,7 @@
             <a:fld id="{B61BEF0D-F0BB-DE4B-95CE-6DB70DBA9567}" type="datetimeFigureOut">
               <a:rPr lang="en-US" smtClean="0"/>
               <a:pPr/>
-              <a:t>6/10/2017</a:t>
+              <a:t>6/11/2017</a:t>
             </a:fld>
             <a:endParaRPr lang="en-US" dirty="0"/>
           </a:p>
@@ -5578,7 +5754,7 @@
             <a:fld id="{B61BEF0D-F0BB-DE4B-95CE-6DB70DBA9567}" type="datetimeFigureOut">
               <a:rPr lang="en-US" smtClean="0"/>
               <a:pPr/>
-              <a:t>6/10/2017</a:t>
+              <a:t>6/11/2017</a:t>
             </a:fld>
             <a:endParaRPr lang="en-US" dirty="0"/>
           </a:p>
@@ -5831,7 +6007,7 @@
             <a:fld id="{B61BEF0D-F0BB-DE4B-95CE-6DB70DBA9567}" type="datetimeFigureOut">
               <a:rPr lang="en-US" smtClean="0"/>
               <a:pPr/>
-              <a:t>6/10/2017</a:t>
+              <a:t>6/11/2017</a:t>
             </a:fld>
             <a:endParaRPr lang="en-US" dirty="0"/>
           </a:p>
@@ -6065,7 +6241,7 @@
             <a:fld id="{B61BEF0D-F0BB-DE4B-95CE-6DB70DBA9567}" type="datetimeFigureOut">
               <a:rPr lang="en-US" smtClean="0"/>
               <a:pPr/>
-              <a:t>6/10/2017</a:t>
+              <a:t>6/11/2017</a:t>
             </a:fld>
             <a:endParaRPr lang="en-US" dirty="0"/>
           </a:p>
@@ -6414,7 +6590,7 @@
             <a:fld id="{B61BEF0D-F0BB-DE4B-95CE-6DB70DBA9567}" type="datetimeFigureOut">
               <a:rPr lang="en-US" smtClean="0"/>
               <a:pPr/>
-              <a:t>6/10/2017</a:t>
+              <a:t>6/11/2017</a:t>
             </a:fld>
             <a:endParaRPr lang="en-US" dirty="0"/>
           </a:p>
@@ -6534,7 +6710,7 @@
             <a:fld id="{B61BEF0D-F0BB-DE4B-95CE-6DB70DBA9567}" type="datetimeFigureOut">
               <a:rPr lang="en-US" smtClean="0"/>
               <a:pPr/>
-              <a:t>6/10/2017</a:t>
+              <a:t>6/11/2017</a:t>
             </a:fld>
             <a:endParaRPr lang="en-US" dirty="0"/>
           </a:p>
@@ -6654,7 +6830,7 @@
             <a:fld id="{B61BEF0D-F0BB-DE4B-95CE-6DB70DBA9567}" type="datetimeFigureOut">
               <a:rPr lang="en-US" smtClean="0"/>
               <a:pPr/>
-              <a:t>6/10/2017</a:t>
+              <a:t>6/11/2017</a:t>
             </a:fld>
             <a:endParaRPr lang="en-US" dirty="0"/>
           </a:p>
@@ -6940,7 +7116,7 @@
             <a:fld id="{B61BEF0D-F0BB-DE4B-95CE-6DB70DBA9567}" type="datetimeFigureOut">
               <a:rPr lang="en-US" smtClean="0"/>
               <a:pPr/>
-              <a:t>6/10/2017</a:t>
+              <a:t>6/11/2017</a:t>
             </a:fld>
             <a:endParaRPr lang="en-US" dirty="0"/>
           </a:p>
@@ -7206,7 +7382,7 @@
             <a:fld id="{B61BEF0D-F0BB-DE4B-95CE-6DB70DBA9567}" type="datetimeFigureOut">
               <a:rPr lang="en-US" smtClean="0"/>
               <a:pPr/>
-              <a:t>6/10/2017</a:t>
+              <a:t>6/11/2017</a:t>
             </a:fld>
             <a:endParaRPr lang="en-US" dirty="0"/>
           </a:p>
@@ -7422,7 +7598,7 @@
             <a:fld id="{B61BEF0D-F0BB-DE4B-95CE-6DB70DBA9567}" type="datetimeFigureOut">
               <a:rPr lang="en-US" smtClean="0"/>
               <a:pPr/>
-              <a:t>6/10/2017</a:t>
+              <a:t>6/11/2017</a:t>
             </a:fld>
             <a:endParaRPr lang="en-US" dirty="0"/>
           </a:p>
@@ -7961,7 +8137,7 @@
             <a:fld id="{B61BEF0D-F0BB-DE4B-95CE-6DB70DBA9567}" type="datetimeFigureOut">
               <a:rPr lang="en-US" smtClean="0"/>
               <a:pPr/>
-              <a:t>6/10/2017</a:t>
+              <a:t>6/11/2017</a:t>
             </a:fld>
             <a:endParaRPr lang="en-US" dirty="0"/>
           </a:p>
@@ -8783,8 +8959,8 @@
           </a:p>
         </p:txBody>
       </p:sp>
-      <mc:AlternateContent xmlns:mc="http://schemas.openxmlformats.org/markup-compatibility/2006">
-        <mc:Choice xmlns:p14="http://schemas.microsoft.com/office/powerpoint/2010/main" Requires="p14">
+      <mc:AlternateContent xmlns:mc="http://schemas.openxmlformats.org/markup-compatibility/2006" xmlns:p14="http://schemas.microsoft.com/office/powerpoint/2010/main">
+        <mc:Choice Requires="p14">
           <p:contentPart p14:bwMode="auto" r:id="rId2">
             <p14:nvContentPartPr>
               <p14:cNvPr id="5" name="Freihand 4">
@@ -8803,7 +8979,7 @@
             </p14:xfrm>
           </p:contentPart>
         </mc:Choice>
-        <mc:Fallback>
+        <mc:Fallback xmlns="">
           <p:pic>
             <p:nvPicPr>
               <p:cNvPr id="5" name="Freihand 4">
@@ -8999,10 +9175,10 @@
       </p:sp>
       <p:pic>
         <p:nvPicPr>
-          <p:cNvPr id="13" name="Grafik 12">
+          <p:cNvPr id="16" name="Grafik 15">
             <a:extLst>
               <a:ext uri="{FF2B5EF4-FFF2-40B4-BE49-F238E27FC236}">
-                <a16:creationId xmlns:a16="http://schemas.microsoft.com/office/drawing/2014/main" id="{D88C448D-4D53-4ECF-B84A-B4DB34378B08}"/>
+                <a16:creationId xmlns:a16="http://schemas.microsoft.com/office/drawing/2014/main" id="{2707556F-D746-4660-B2C8-52BC9DF25708}"/>
               </a:ext>
             </a:extLst>
           </p:cNvPr>
@@ -9012,26 +9188,23 @@
           <p:nvPr/>
         </p:nvPicPr>
         <p:blipFill>
-          <a:blip r:embed="rId4"/>
+          <a:blip r:embed="rId4">
+            <a:biLevel thresh="75000"/>
+          </a:blip>
           <a:stretch>
             <a:fillRect/>
           </a:stretch>
         </p:blipFill>
         <p:spPr>
           <a:xfrm>
-            <a:off x="2307272" y="790573"/>
-            <a:ext cx="1316039" cy="1316039"/>
+            <a:off x="2507305" y="737234"/>
+            <a:ext cx="1369378" cy="1369378"/>
           </a:xfrm>
           <a:prstGeom prst="rect">
             <a:avLst/>
           </a:prstGeom>
           <a:effectLst>
-            <a:outerShdw blurRad="165100" dist="50800" dir="5400000" algn="ctr" rotWithShape="0">
-              <a:srgbClr val="000000">
-                <a:alpha val="99000"/>
-              </a:srgbClr>
-            </a:outerShdw>
-            <a:reflection stA="50000" endPos="65000" dist="50800" dir="5400000" sy="-100000" algn="bl" rotWithShape="0"/>
+            <a:reflection blurRad="6350" stA="50000" endA="300" endPos="90000" dir="5400000" sy="-100000" algn="bl" rotWithShape="0"/>
           </a:effectLst>
         </p:spPr>
       </p:pic>
@@ -9049,6 +9222,144 @@
 </file>
 
 <file path=ppt/slides/slide2.xml><?xml version="1.0" encoding="utf-8"?>
+<p:sld xmlns:a="http://schemas.openxmlformats.org/drawingml/2006/main" xmlns:r="http://schemas.openxmlformats.org/officeDocument/2006/relationships" xmlns:p="http://schemas.openxmlformats.org/presentationml/2006/main">
+  <p:cSld>
+    <p:spTree>
+      <p:nvGrpSpPr>
+        <p:cNvPr id="1" name=""/>
+        <p:cNvGrpSpPr/>
+        <p:nvPr/>
+      </p:nvGrpSpPr>
+      <p:grpSpPr>
+        <a:xfrm>
+          <a:off x="0" y="0"/>
+          <a:ext cx="0" cy="0"/>
+          <a:chOff x="0" y="0"/>
+          <a:chExt cx="0" cy="0"/>
+        </a:xfrm>
+      </p:grpSpPr>
+      <p:pic>
+        <p:nvPicPr>
+          <p:cNvPr id="1026" name="Picture 2" descr="Bildergebnis für fake news merkel selfie mimikama">
+            <a:hlinkClick r:id="rId2"/>
+            <a:extLst>
+              <a:ext uri="{FF2B5EF4-FFF2-40B4-BE49-F238E27FC236}">
+                <a16:creationId xmlns:a16="http://schemas.microsoft.com/office/drawing/2014/main" id="{E742735B-9A7D-4C24-B155-DA49EF8228B9}"/>
+              </a:ext>
+            </a:extLst>
+          </p:cNvPr>
+          <p:cNvPicPr>
+            <a:picLocks noChangeAspect="1" noChangeArrowheads="1"/>
+          </p:cNvPicPr>
+          <p:nvPr/>
+        </p:nvPicPr>
+        <p:blipFill>
+          <a:blip r:embed="rId3">
+            <a:extLst>
+              <a:ext uri="{28A0092B-C50C-407E-A947-70E740481C1C}">
+                <a14:useLocalDpi xmlns:a14="http://schemas.microsoft.com/office/drawing/2010/main" val="0"/>
+              </a:ext>
+            </a:extLst>
+          </a:blip>
+          <a:srcRect/>
+          <a:stretch>
+            <a:fillRect/>
+          </a:stretch>
+        </p:blipFill>
+        <p:spPr bwMode="auto">
+          <a:xfrm>
+            <a:off x="2915673" y="290275"/>
+            <a:ext cx="6181674" cy="6194499"/>
+          </a:xfrm>
+          <a:prstGeom prst="rect">
+            <a:avLst/>
+          </a:prstGeom>
+          <a:ln>
+            <a:noFill/>
+          </a:ln>
+          <a:effectLst>
+            <a:outerShdw blurRad="292100" dist="139700" dir="2700000" algn="tl" rotWithShape="0">
+              <a:srgbClr val="333333">
+                <a:alpha val="65000"/>
+              </a:srgbClr>
+            </a:outerShdw>
+          </a:effectLst>
+          <a:extLst>
+            <a:ext uri="{909E8E84-426E-40DD-AFC4-6F175D3DCCD1}">
+              <a14:hiddenFill xmlns:a14="http://schemas.microsoft.com/office/drawing/2010/main">
+                <a:solidFill>
+                  <a:srgbClr val="FFFFFF"/>
+                </a:solidFill>
+              </a14:hiddenFill>
+            </a:ext>
+          </a:extLst>
+        </p:spPr>
+      </p:pic>
+      <mc:AlternateContent xmlns:mc="http://schemas.openxmlformats.org/markup-compatibility/2006">
+        <mc:Choice xmlns:p14="http://schemas.microsoft.com/office/powerpoint/2010/main" Requires="p14">
+          <p:contentPart p14:bwMode="auto" r:id="rId4">
+            <p14:nvContentPartPr>
+              <p14:cNvPr id="6" name="Freihand 5">
+                <a:extLst>
+                  <a:ext uri="{FF2B5EF4-FFF2-40B4-BE49-F238E27FC236}">
+                    <a16:creationId xmlns:a16="http://schemas.microsoft.com/office/drawing/2014/main" id="{8B1BA483-7496-4BB4-9B89-6B014BBE2FB9}"/>
+                  </a:ext>
+                </a:extLst>
+              </p14:cNvPr>
+              <p14:cNvContentPartPr/>
+              <p14:nvPr/>
+            </p14:nvContentPartPr>
+            <p14:xfrm>
+              <a:off x="3321516" y="578325"/>
+              <a:ext cx="326880" cy="28224"/>
+            </p14:xfrm>
+          </p:contentPart>
+        </mc:Choice>
+        <mc:Fallback>
+          <p:pic>
+            <p:nvPicPr>
+              <p:cNvPr id="6" name="Freihand 5">
+                <a:extLst>
+                  <a:ext uri="{FF2B5EF4-FFF2-40B4-BE49-F238E27FC236}">
+                    <a16:creationId xmlns:a16="http://schemas.microsoft.com/office/drawing/2014/main" id="{8B1BA483-7496-4BB4-9B89-6B014BBE2FB9}"/>
+                  </a:ext>
+                </a:extLst>
+              </p:cNvPr>
+              <p:cNvPicPr/>
+              <p:nvPr/>
+            </p:nvPicPr>
+            <p:blipFill>
+              <a:blip r:embed="rId5"/>
+              <a:stretch>
+                <a:fillRect/>
+              </a:stretch>
+            </p:blipFill>
+            <p:spPr>
+              <a:xfrm>
+                <a:off x="3314379" y="571180"/>
+                <a:ext cx="340797" cy="42157"/>
+              </a:xfrm>
+              <a:prstGeom prst="rect">
+                <a:avLst/>
+              </a:prstGeom>
+            </p:spPr>
+          </p:pic>
+        </mc:Fallback>
+      </mc:AlternateContent>
+    </p:spTree>
+    <p:extLst>
+      <p:ext uri="{BB962C8B-B14F-4D97-AF65-F5344CB8AC3E}">
+        <p14:creationId xmlns:p14="http://schemas.microsoft.com/office/powerpoint/2010/main" val="3774106598"/>
+      </p:ext>
+    </p:extLst>
+  </p:cSld>
+  <p:clrMapOvr>
+    <a:masterClrMapping/>
+  </p:clrMapOvr>
+</p:sld>
+</file>
+
+<file path=ppt/slides/slide3.xml><?xml version="1.0" encoding="utf-8"?>
 <p:sld xmlns:a="http://schemas.openxmlformats.org/drawingml/2006/main" xmlns:r="http://schemas.openxmlformats.org/officeDocument/2006/relationships" xmlns:p="http://schemas.openxmlformats.org/presentationml/2006/main">
   <p:cSld>
     <p:spTree>
@@ -9218,6 +9529,57 @@
           </a:prstGeom>
         </p:spPr>
       </p:pic>
+      <mc:AlternateContent xmlns:mc="http://schemas.openxmlformats.org/markup-compatibility/2006">
+        <mc:Choice xmlns:p14="http://schemas.microsoft.com/office/powerpoint/2010/main" Requires="p14">
+          <p:contentPart p14:bwMode="auto" r:id="rId6">
+            <p14:nvContentPartPr>
+              <p14:cNvPr id="3" name="Freihand 2">
+                <a:extLst>
+                  <a:ext uri="{FF2B5EF4-FFF2-40B4-BE49-F238E27FC236}">
+                    <a16:creationId xmlns:a16="http://schemas.microsoft.com/office/drawing/2014/main" id="{0668894D-DD7D-4C89-BFB6-9AC2CC10F65D}"/>
+                  </a:ext>
+                </a:extLst>
+              </p14:cNvPr>
+              <p14:cNvContentPartPr/>
+              <p14:nvPr/>
+            </p14:nvContentPartPr>
+            <p14:xfrm>
+              <a:off x="2239212" y="2939061"/>
+              <a:ext cx="37728" cy="9504"/>
+            </p14:xfrm>
+          </p:contentPart>
+        </mc:Choice>
+        <mc:Fallback>
+          <p:pic>
+            <p:nvPicPr>
+              <p:cNvPr id="3" name="Freihand 2">
+                <a:extLst>
+                  <a:ext uri="{FF2B5EF4-FFF2-40B4-BE49-F238E27FC236}">
+                    <a16:creationId xmlns:a16="http://schemas.microsoft.com/office/drawing/2014/main" id="{0668894D-DD7D-4C89-BFB6-9AC2CC10F65D}"/>
+                  </a:ext>
+                </a:extLst>
+              </p:cNvPr>
+              <p:cNvPicPr/>
+              <p:nvPr/>
+            </p:nvPicPr>
+            <p:blipFill>
+              <a:blip r:embed="rId7"/>
+              <a:stretch>
+                <a:fillRect/>
+              </a:stretch>
+            </p:blipFill>
+            <p:spPr>
+              <a:xfrm>
+                <a:off x="2233452" y="2933470"/>
+                <a:ext cx="48960" cy="20406"/>
+              </a:xfrm>
+              <a:prstGeom prst="rect">
+                <a:avLst/>
+              </a:prstGeom>
+            </p:spPr>
+          </p:pic>
+        </mc:Fallback>
+      </mc:AlternateContent>
     </p:spTree>
     <p:extLst>
       <p:ext uri="{BB962C8B-B14F-4D97-AF65-F5344CB8AC3E}">
